--- a/assets/diagram.pptx
+++ b/assets/diagram.pptx
@@ -6,6 +6,7 @@
   </p:sldMasterIdLst>
   <p:sldIdLst>
     <p:sldId id="262" r:id="rId2"/>
+    <p:sldId id="263" r:id="rId3"/>
   </p:sldIdLst>
   <p:sldSz cx="12192000" cy="6858000"/>
   <p:notesSz cx="6858000" cy="9144000"/>
@@ -241,7 +242,7 @@
           <a:p>
             <a:fld id="{12922378-5CAE-4291-88F8-B9606E50F830}" type="datetimeFigureOut">
               <a:rPr lang="en-US" smtClean="0"/>
-              <a:t>6/29/2019</a:t>
+              <a:t>12/1/2025</a:t>
             </a:fld>
             <a:endParaRPr lang="en-US"/>
           </a:p>
@@ -409,7 +410,7 @@
           <a:p>
             <a:fld id="{12922378-5CAE-4291-88F8-B9606E50F830}" type="datetimeFigureOut">
               <a:rPr lang="en-US" smtClean="0"/>
-              <a:t>6/29/2019</a:t>
+              <a:t>12/1/2025</a:t>
             </a:fld>
             <a:endParaRPr lang="en-US"/>
           </a:p>
@@ -587,7 +588,7 @@
           <a:p>
             <a:fld id="{12922378-5CAE-4291-88F8-B9606E50F830}" type="datetimeFigureOut">
               <a:rPr lang="en-US" smtClean="0"/>
-              <a:t>6/29/2019</a:t>
+              <a:t>12/1/2025</a:t>
             </a:fld>
             <a:endParaRPr lang="en-US"/>
           </a:p>
@@ -755,7 +756,7 @@
           <a:p>
             <a:fld id="{12922378-5CAE-4291-88F8-B9606E50F830}" type="datetimeFigureOut">
               <a:rPr lang="en-US" smtClean="0"/>
-              <a:t>6/29/2019</a:t>
+              <a:t>12/1/2025</a:t>
             </a:fld>
             <a:endParaRPr lang="en-US"/>
           </a:p>
@@ -1000,7 +1001,7 @@
           <a:p>
             <a:fld id="{12922378-5CAE-4291-88F8-B9606E50F830}" type="datetimeFigureOut">
               <a:rPr lang="en-US" smtClean="0"/>
-              <a:t>6/29/2019</a:t>
+              <a:t>12/1/2025</a:t>
             </a:fld>
             <a:endParaRPr lang="en-US"/>
           </a:p>
@@ -1229,7 +1230,7 @@
           <a:p>
             <a:fld id="{12922378-5CAE-4291-88F8-B9606E50F830}" type="datetimeFigureOut">
               <a:rPr lang="en-US" smtClean="0"/>
-              <a:t>6/29/2019</a:t>
+              <a:t>12/1/2025</a:t>
             </a:fld>
             <a:endParaRPr lang="en-US"/>
           </a:p>
@@ -1593,7 +1594,7 @@
           <a:p>
             <a:fld id="{12922378-5CAE-4291-88F8-B9606E50F830}" type="datetimeFigureOut">
               <a:rPr lang="en-US" smtClean="0"/>
-              <a:t>6/29/2019</a:t>
+              <a:t>12/1/2025</a:t>
             </a:fld>
             <a:endParaRPr lang="en-US"/>
           </a:p>
@@ -1710,7 +1711,7 @@
           <a:p>
             <a:fld id="{12922378-5CAE-4291-88F8-B9606E50F830}" type="datetimeFigureOut">
               <a:rPr lang="en-US" smtClean="0"/>
-              <a:t>6/29/2019</a:t>
+              <a:t>12/1/2025</a:t>
             </a:fld>
             <a:endParaRPr lang="en-US"/>
           </a:p>
@@ -1805,7 +1806,7 @@
           <a:p>
             <a:fld id="{12922378-5CAE-4291-88F8-B9606E50F830}" type="datetimeFigureOut">
               <a:rPr lang="en-US" smtClean="0"/>
-              <a:t>6/29/2019</a:t>
+              <a:t>12/1/2025</a:t>
             </a:fld>
             <a:endParaRPr lang="en-US"/>
           </a:p>
@@ -2080,7 +2081,7 @@
           <a:p>
             <a:fld id="{12922378-5CAE-4291-88F8-B9606E50F830}" type="datetimeFigureOut">
               <a:rPr lang="en-US" smtClean="0"/>
-              <a:t>6/29/2019</a:t>
+              <a:t>12/1/2025</a:t>
             </a:fld>
             <a:endParaRPr lang="en-US"/>
           </a:p>
@@ -2332,7 +2333,7 @@
           <a:p>
             <a:fld id="{12922378-5CAE-4291-88F8-B9606E50F830}" type="datetimeFigureOut">
               <a:rPr lang="en-US" smtClean="0"/>
-              <a:t>6/29/2019</a:t>
+              <a:t>12/1/2025</a:t>
             </a:fld>
             <a:endParaRPr lang="en-US"/>
           </a:p>
@@ -2543,7 +2544,7 @@
           <a:p>
             <a:fld id="{12922378-5CAE-4291-88F8-B9606E50F830}" type="datetimeFigureOut">
               <a:rPr lang="en-US" smtClean="0"/>
-              <a:t>6/29/2019</a:t>
+              <a:t>12/1/2025</a:t>
             </a:fld>
             <a:endParaRPr lang="en-US"/>
           </a:p>
@@ -3395,6 +3396,272 @@
 </p:sld>
 </file>
 
+<file path=ppt/slides/slide2.xml><?xml version="1.0" encoding="utf-8"?>
+<p:sld xmlns:a="http://schemas.openxmlformats.org/drawingml/2006/main" xmlns:r="http://schemas.openxmlformats.org/officeDocument/2006/relationships" xmlns:p="http://schemas.openxmlformats.org/presentationml/2006/main">
+  <p:cSld>
+    <p:spTree>
+      <p:nvGrpSpPr>
+        <p:cNvPr id="1" name=""/>
+        <p:cNvGrpSpPr/>
+        <p:nvPr/>
+      </p:nvGrpSpPr>
+      <p:grpSpPr>
+        <a:xfrm>
+          <a:off x="0" y="0"/>
+          <a:ext cx="0" cy="0"/>
+          <a:chOff x="0" y="0"/>
+          <a:chExt cx="0" cy="0"/>
+        </a:xfrm>
+      </p:grpSpPr>
+      <p:pic>
+        <p:nvPicPr>
+          <p:cNvPr id="8" name="Picture 7" descr="A white heart in a red circle&#10;&#10;AI-generated content may be incorrect.">
+            <a:extLst>
+              <a:ext uri="{FF2B5EF4-FFF2-40B4-BE49-F238E27FC236}">
+                <a16:creationId xmlns:a16="http://schemas.microsoft.com/office/drawing/2014/main" id="{08C150E3-B116-480F-F4E3-DE5F89EB24B9}"/>
+              </a:ext>
+            </a:extLst>
+          </p:cNvPr>
+          <p:cNvPicPr>
+            <a:picLocks noChangeAspect="1"/>
+          </p:cNvPicPr>
+          <p:nvPr/>
+        </p:nvPicPr>
+        <p:blipFill>
+          <a:blip r:embed="rId2">
+            <a:extLst>
+              <a:ext uri="{28A0092B-C50C-407E-A947-70E740481C1C}">
+                <a14:useLocalDpi xmlns:a14="http://schemas.microsoft.com/office/drawing/2010/main" val="0"/>
+              </a:ext>
+            </a:extLst>
+          </a:blip>
+          <a:stretch>
+            <a:fillRect/>
+          </a:stretch>
+        </p:blipFill>
+        <p:spPr>
+          <a:xfrm>
+            <a:off x="2667000" y="0"/>
+            <a:ext cx="6858000" cy="6858000"/>
+          </a:xfrm>
+          <a:prstGeom prst="rect">
+            <a:avLst/>
+          </a:prstGeom>
+        </p:spPr>
+      </p:pic>
+      <p:sp>
+        <p:nvSpPr>
+          <p:cNvPr id="5" name="TextBox 4">
+            <a:extLst>
+              <a:ext uri="{FF2B5EF4-FFF2-40B4-BE49-F238E27FC236}">
+                <a16:creationId xmlns:a16="http://schemas.microsoft.com/office/drawing/2014/main" id="{DDB1CEBF-E2E9-D289-3657-9EF60422276C}"/>
+              </a:ext>
+            </a:extLst>
+          </p:cNvPr>
+          <p:cNvSpPr txBox="1"/>
+          <p:nvPr/>
+        </p:nvSpPr>
+        <p:spPr>
+          <a:xfrm>
+            <a:off x="2667000" y="2282611"/>
+            <a:ext cx="6858000" cy="1692771"/>
+          </a:xfrm>
+          <a:prstGeom prst="rect">
+            <a:avLst/>
+          </a:prstGeom>
+          <a:noFill/>
+        </p:spPr>
+        <p:txBody>
+          <a:bodyPr wrap="square">
+            <a:spAutoFit/>
+          </a:bodyPr>
+          <a:lstStyle/>
+          <a:p>
+            <a:pPr algn="ctr"/>
+            <a:r>
+              <a:rPr lang="en-US" sz="10400" b="1" dirty="0">
+                <a:solidFill>
+                  <a:schemeClr val="bg1">
+                    <a:lumMod val="75000"/>
+                  </a:schemeClr>
+                </a:solidFill>
+                <a:cs typeface="Helvetica" panose="020B0604020202020204" pitchFamily="34" charset="0"/>
+              </a:rPr>
+              <a:t>les</a:t>
+            </a:r>
+            <a:r>
+              <a:rPr lang="en-US" sz="10400" b="1" dirty="0">
+                <a:solidFill>
+                  <a:schemeClr val="accent6"/>
+                </a:solidFill>
+                <a:cs typeface="Helvetica" panose="020B0604020202020204" pitchFamily="34" charset="0"/>
+              </a:rPr>
+              <a:t>s3</a:t>
+            </a:r>
+          </a:p>
+        </p:txBody>
+      </p:sp>
+      <p:cxnSp>
+        <p:nvCxnSpPr>
+          <p:cNvPr id="10" name="Straight Connector 9">
+            <a:extLst>
+              <a:ext uri="{FF2B5EF4-FFF2-40B4-BE49-F238E27FC236}">
+                <a16:creationId xmlns:a16="http://schemas.microsoft.com/office/drawing/2014/main" id="{9BA3A6B8-8DE6-F0C8-424A-ECA48535A2E1}"/>
+              </a:ext>
+            </a:extLst>
+          </p:cNvPr>
+          <p:cNvCxnSpPr/>
+          <p:nvPr/>
+        </p:nvCxnSpPr>
+        <p:spPr>
+          <a:xfrm>
+            <a:off x="2735179" y="0"/>
+            <a:ext cx="0" cy="6761747"/>
+          </a:xfrm>
+          <a:prstGeom prst="line">
+            <a:avLst/>
+          </a:prstGeom>
+        </p:spPr>
+        <p:style>
+          <a:lnRef idx="1">
+            <a:schemeClr val="accent1"/>
+          </a:lnRef>
+          <a:fillRef idx="0">
+            <a:schemeClr val="accent1"/>
+          </a:fillRef>
+          <a:effectRef idx="0">
+            <a:schemeClr val="accent1"/>
+          </a:effectRef>
+          <a:fontRef idx="minor">
+            <a:schemeClr val="tx1"/>
+          </a:fontRef>
+        </p:style>
+      </p:cxnSp>
+      <p:cxnSp>
+        <p:nvCxnSpPr>
+          <p:cNvPr id="11" name="Straight Connector 10">
+            <a:extLst>
+              <a:ext uri="{FF2B5EF4-FFF2-40B4-BE49-F238E27FC236}">
+                <a16:creationId xmlns:a16="http://schemas.microsoft.com/office/drawing/2014/main" id="{C9F9AA84-172E-BEB9-096F-2CA3E9CD5E32}"/>
+              </a:ext>
+            </a:extLst>
+          </p:cNvPr>
+          <p:cNvCxnSpPr/>
+          <p:nvPr/>
+        </p:nvCxnSpPr>
+        <p:spPr>
+          <a:xfrm>
+            <a:off x="9456821" y="48126"/>
+            <a:ext cx="0" cy="6761747"/>
+          </a:xfrm>
+          <a:prstGeom prst="line">
+            <a:avLst/>
+          </a:prstGeom>
+        </p:spPr>
+        <p:style>
+          <a:lnRef idx="1">
+            <a:schemeClr val="accent1"/>
+          </a:lnRef>
+          <a:fillRef idx="0">
+            <a:schemeClr val="accent1"/>
+          </a:fillRef>
+          <a:effectRef idx="0">
+            <a:schemeClr val="accent1"/>
+          </a:effectRef>
+          <a:fontRef idx="minor">
+            <a:schemeClr val="tx1"/>
+          </a:fontRef>
+        </p:style>
+      </p:cxnSp>
+      <p:cxnSp>
+        <p:nvCxnSpPr>
+          <p:cNvPr id="12" name="Straight Connector 11">
+            <a:extLst>
+              <a:ext uri="{FF2B5EF4-FFF2-40B4-BE49-F238E27FC236}">
+                <a16:creationId xmlns:a16="http://schemas.microsoft.com/office/drawing/2014/main" id="{0F351727-33C6-D475-0761-97B098AD2344}"/>
+              </a:ext>
+            </a:extLst>
+          </p:cNvPr>
+          <p:cNvCxnSpPr>
+            <a:cxnSpLocks/>
+          </p:cNvCxnSpPr>
+          <p:nvPr/>
+        </p:nvCxnSpPr>
+        <p:spPr>
+          <a:xfrm>
+            <a:off x="2454442" y="64169"/>
+            <a:ext cx="7435516" cy="0"/>
+          </a:xfrm>
+          <a:prstGeom prst="line">
+            <a:avLst/>
+          </a:prstGeom>
+        </p:spPr>
+        <p:style>
+          <a:lnRef idx="1">
+            <a:schemeClr val="accent1"/>
+          </a:lnRef>
+          <a:fillRef idx="0">
+            <a:schemeClr val="accent1"/>
+          </a:fillRef>
+          <a:effectRef idx="0">
+            <a:schemeClr val="accent1"/>
+          </a:effectRef>
+          <a:fontRef idx="minor">
+            <a:schemeClr val="tx1"/>
+          </a:fontRef>
+        </p:style>
+      </p:cxnSp>
+      <p:cxnSp>
+        <p:nvCxnSpPr>
+          <p:cNvPr id="15" name="Straight Connector 14">
+            <a:extLst>
+              <a:ext uri="{FF2B5EF4-FFF2-40B4-BE49-F238E27FC236}">
+                <a16:creationId xmlns:a16="http://schemas.microsoft.com/office/drawing/2014/main" id="{C7769AA1-46E2-714B-5D08-6D3F2F9FF98C}"/>
+              </a:ext>
+            </a:extLst>
+          </p:cNvPr>
+          <p:cNvCxnSpPr>
+            <a:cxnSpLocks/>
+          </p:cNvCxnSpPr>
+          <p:nvPr/>
+        </p:nvCxnSpPr>
+        <p:spPr>
+          <a:xfrm>
+            <a:off x="2378242" y="6785810"/>
+            <a:ext cx="7435516" cy="0"/>
+          </a:xfrm>
+          <a:prstGeom prst="line">
+            <a:avLst/>
+          </a:prstGeom>
+        </p:spPr>
+        <p:style>
+          <a:lnRef idx="1">
+            <a:schemeClr val="accent1"/>
+          </a:lnRef>
+          <a:fillRef idx="0">
+            <a:schemeClr val="accent1"/>
+          </a:fillRef>
+          <a:effectRef idx="0">
+            <a:schemeClr val="accent1"/>
+          </a:effectRef>
+          <a:fontRef idx="minor">
+            <a:schemeClr val="tx1"/>
+          </a:fontRef>
+        </p:style>
+      </p:cxnSp>
+    </p:spTree>
+    <p:extLst>
+      <p:ext uri="{BB962C8B-B14F-4D97-AF65-F5344CB8AC3E}">
+        <p14:creationId xmlns:p14="http://schemas.microsoft.com/office/powerpoint/2010/main" val="3516967770"/>
+      </p:ext>
+    </p:extLst>
+  </p:cSld>
+  <p:clrMapOvr>
+    <a:masterClrMapping/>
+  </p:clrMapOvr>
+</p:sld>
+</file>
+
 <file path=ppt/theme/theme1.xml><?xml version="1.0" encoding="utf-8"?>
 <a:theme xmlns:a="http://schemas.openxmlformats.org/drawingml/2006/main" name="Office Theme">
   <a:themeElements>
